--- a/T-Racer – Die Video Challenge.pptx
+++ b/T-Racer – Die Video Challenge.pptx
@@ -2,10 +2,10 @@
 <file path=ppt/presentation.xml><?xml version="1.0" encoding="utf-8"?>
 <p:presentation xmlns:a="http://schemas.openxmlformats.org/drawingml/2006/main" xmlns:r="http://schemas.openxmlformats.org/officeDocument/2006/relationships" xmlns:p="http://schemas.openxmlformats.org/presentationml/2006/main" saveSubsetFonts="1">
   <p:sldMasterIdLst>
-    <p:sldMasterId id="2147483648" r:id="rId1"/>
+    <p:sldMasterId id="2147483648" r:id="rId4"/>
   </p:sldMasterIdLst>
   <p:sldIdLst>
-    <p:sldId id="3865" r:id="rId2"/>
+    <p:sldId id="3865" r:id="rId5"/>
   </p:sldIdLst>
   <p:sldSz cx="12192000" cy="6858000"/>
   <p:notesSz cx="6858000" cy="9144000"/>
@@ -112,6 +112,35 @@
 </p:presentation>
 </file>
 
+<file path=ppt/changesInfos/changesInfo1.xml><?xml version="1.0" encoding="utf-8"?>
+<pc:chgInfo xmlns:a="http://schemas.openxmlformats.org/drawingml/2006/main" xmlns:r="http://schemas.openxmlformats.org/officeDocument/2006/relationships" xmlns:ac="http://schemas.microsoft.com/office/drawing/2013/main/command" xmlns:pc="http://schemas.microsoft.com/office/powerpoint/2013/main/command">
+  <pc:docChgLst>
+    <pc:chgData name="Pitters, Christian" userId="15fc9186-1f19-48c2-8e42-19243142740a" providerId="ADAL" clId="{AC6EA3CA-982C-4C6E-A297-B2F38A558362}"/>
+    <pc:docChg chg="modSld">
+      <pc:chgData name="Pitters, Christian" userId="15fc9186-1f19-48c2-8e42-19243142740a" providerId="ADAL" clId="{AC6EA3CA-982C-4C6E-A297-B2F38A558362}" dt="2020-12-01T08:24:16.699" v="27" actId="20577"/>
+      <pc:docMkLst>
+        <pc:docMk/>
+      </pc:docMkLst>
+      <pc:sldChg chg="modSp mod">
+        <pc:chgData name="Pitters, Christian" userId="15fc9186-1f19-48c2-8e42-19243142740a" providerId="ADAL" clId="{AC6EA3CA-982C-4C6E-A297-B2F38A558362}" dt="2020-12-01T08:24:16.699" v="27" actId="20577"/>
+        <pc:sldMkLst>
+          <pc:docMk/>
+          <pc:sldMk cId="820907139" sldId="3865"/>
+        </pc:sldMkLst>
+        <pc:spChg chg="mod">
+          <ac:chgData name="Pitters, Christian" userId="15fc9186-1f19-48c2-8e42-19243142740a" providerId="ADAL" clId="{AC6EA3CA-982C-4C6E-A297-B2F38A558362}" dt="2020-12-01T08:24:16.699" v="27" actId="20577"/>
+          <ac:spMkLst>
+            <pc:docMk/>
+            <pc:sldMk cId="820907139" sldId="3865"/>
+            <ac:spMk id="6" creationId="{CD2A83A9-7E7F-46BB-8332-D9E5B1712394}"/>
+          </ac:spMkLst>
+        </pc:spChg>
+      </pc:sldChg>
+    </pc:docChg>
+  </pc:docChgLst>
+</pc:chgInfo>
+</file>
+
 <file path=ppt/slideLayouts/slideLayout1.xml><?xml version="1.0" encoding="utf-8"?>
 <p:sldLayout xmlns:a="http://schemas.openxmlformats.org/drawingml/2006/main" xmlns:r="http://schemas.openxmlformats.org/officeDocument/2006/relationships" xmlns:p="http://schemas.openxmlformats.org/presentationml/2006/main" type="title" preserve="1">
   <p:cSld name="Titelfolie">
@@ -800,7 +829,7 @@
           <a:graphicData uri="http://schemas.openxmlformats.org/presentationml/2006/ole">
             <mc:AlternateContent xmlns:mc="http://schemas.openxmlformats.org/markup-compatibility/2006">
               <mc:Choice xmlns:v="urn:schemas-microsoft-com:vml" Requires="v">
-                <p:oleObj spid="_x0000_s1027" name="think-cell Folie" r:id="rId6" imgW="425" imgH="426" progId="TCLayout.ActiveDocument.1">
+                <p:oleObj spid="_x0000_s1026" name="think-cell Folie" r:id="rId6" imgW="425" imgH="426" progId="TCLayout.ActiveDocument.1">
                   <p:embed/>
                 </p:oleObj>
               </mc:Choice>
@@ -4047,23 +4076,7 @@
                   <a:schemeClr val="bg1"/>
                 </a:solidFill>
               </a:rPr>
-              <a:t>Bis zum 3. Dezember  @</a:t>
-            </a:r>
-            <a:r>
-              <a:rPr lang="de-DE" sz="1905" dirty="0" err="1">
-                <a:solidFill>
-                  <a:schemeClr val="bg1"/>
-                </a:solidFill>
-              </a:rPr>
-              <a:t>TelekomCareer</a:t>
-            </a:r>
-            <a:r>
-              <a:rPr lang="de-DE" sz="1905" dirty="0">
-                <a:solidFill>
-                  <a:schemeClr val="bg1"/>
-                </a:solidFill>
-              </a:rPr>
-              <a:t> Instagram!</a:t>
+              <a:t>Bis zum 3. Dezember  @TelekomCareer &amp;    @wir_sind_die_onsite Instagram!</a:t>
             </a:r>
           </a:p>
           <a:p>
@@ -4533,6 +4546,15 @@
 </file>
 
 <file path=customXml/item1.xml><?xml version="1.0" encoding="utf-8"?>
+<?mso-contentType ?>
+<FormTemplates xmlns="http://schemas.microsoft.com/sharepoint/v3/contenttype/forms">
+  <Display>DocumentLibraryForm</Display>
+  <Edit>DocumentLibraryForm</Edit>
+  <New>DocumentLibraryForm</New>
+</FormTemplates>
+</file>
+
+<file path=customXml/item2.xml><?xml version="1.0" encoding="utf-8"?>
 <ct:contentTypeSchema xmlns:ct="http://schemas.microsoft.com/office/2006/metadata/contentType" xmlns:ma="http://schemas.microsoft.com/office/2006/metadata/properties/metaAttributes" ct:_="" ma:_="" ma:contentTypeName="Dokument" ma:contentTypeID="0x01010020450A8E42E0784C942543964FC896D2" ma:contentTypeVersion="12" ma:contentTypeDescription="Ein neues Dokument erstellen." ma:contentTypeScope="" ma:versionID="4ff310766af552900e9995ea116e5ba5">
   <xsd:schema xmlns:xsd="http://www.w3.org/2001/XMLSchema" xmlns:xs="http://www.w3.org/2001/XMLSchema" xmlns:p="http://schemas.microsoft.com/office/2006/metadata/properties" xmlns:ns2="9b3e37a5-133d-4b02-8cfa-06e53e30ddc5" xmlns:ns3="966c277d-c3bd-4082-af73-82823d47d64f" targetNamespace="http://schemas.microsoft.com/office/2006/metadata/properties" ma:root="true" ma:fieldsID="751319ff661b345339f927c603b9c570" ns2:_="" ns3:_="">
     <xsd:import namespace="9b3e37a5-133d-4b02-8cfa-06e53e30ddc5"/>
@@ -4749,15 +4771,6 @@
 </ct:contentTypeSchema>
 </file>
 
-<file path=customXml/item2.xml><?xml version="1.0" encoding="utf-8"?>
-<?mso-contentType ?>
-<FormTemplates xmlns="http://schemas.microsoft.com/sharepoint/v3/contenttype/forms">
-  <Display>DocumentLibraryForm</Display>
-  <Edit>DocumentLibraryForm</Edit>
-  <New>DocumentLibraryForm</New>
-</FormTemplates>
-</file>
-
 <file path=customXml/item3.xml><?xml version="1.0" encoding="utf-8"?>
 <p:properties xmlns:p="http://schemas.microsoft.com/office/2006/metadata/properties" xmlns:xsi="http://www.w3.org/2001/XMLSchema-instance" xmlns:pc="http://schemas.microsoft.com/office/infopath/2007/PartnerControls">
   <documentManagement/>
@@ -4765,13 +4778,37 @@
 </file>
 
 <file path=customXml/itemProps1.xml><?xml version="1.0" encoding="utf-8"?>
-<ds:datastoreItem xmlns:ds="http://schemas.openxmlformats.org/officeDocument/2006/customXml" ds:itemID="{7958E985-7F23-4140-8016-2D97B3BF1B16}"/>
+<ds:datastoreItem xmlns:ds="http://schemas.openxmlformats.org/officeDocument/2006/customXml" ds:itemID="{55EA170D-A1F3-4D42-B2ED-242F1665EA18}">
+  <ds:schemaRefs>
+    <ds:schemaRef ds:uri="http://schemas.microsoft.com/sharepoint/v3/contenttype/forms"/>
+  </ds:schemaRefs>
+</ds:datastoreItem>
 </file>
 
 <file path=customXml/itemProps2.xml><?xml version="1.0" encoding="utf-8"?>
-<ds:datastoreItem xmlns:ds="http://schemas.openxmlformats.org/officeDocument/2006/customXml" ds:itemID="{55EA170D-A1F3-4D42-B2ED-242F1665EA18}"/>
+<ds:datastoreItem xmlns:ds="http://schemas.openxmlformats.org/officeDocument/2006/customXml" ds:itemID="{7958E985-7F23-4140-8016-2D97B3BF1B16}">
+  <ds:schemaRefs>
+    <ds:schemaRef ds:uri="http://schemas.microsoft.com/office/2006/metadata/contentType"/>
+    <ds:schemaRef ds:uri="http://schemas.microsoft.com/office/2006/metadata/properties/metaAttributes"/>
+    <ds:schemaRef ds:uri="http://www.w3.org/2001/XMLSchema"/>
+    <ds:schemaRef ds:uri="http://schemas.microsoft.com/office/2006/metadata/properties"/>
+    <ds:schemaRef ds:uri="9b3e37a5-133d-4b02-8cfa-06e53e30ddc5"/>
+    <ds:schemaRef ds:uri="966c277d-c3bd-4082-af73-82823d47d64f"/>
+    <ds:schemaRef ds:uri="http://schemas.microsoft.com/office/2006/documentManagement/types"/>
+    <ds:schemaRef ds:uri="http://schemas.microsoft.com/office/infopath/2007/PartnerControls"/>
+    <ds:schemaRef ds:uri="http://schemas.openxmlformats.org/package/2006/metadata/core-properties"/>
+    <ds:schemaRef ds:uri="http://purl.org/dc/elements/1.1/"/>
+    <ds:schemaRef ds:uri="http://purl.org/dc/terms/"/>
+    <ds:schemaRef ds:uri="http://schemas.microsoft.com/internal/obd"/>
+  </ds:schemaRefs>
+</ds:datastoreItem>
 </file>
 
 <file path=customXml/itemProps3.xml><?xml version="1.0" encoding="utf-8"?>
-<ds:datastoreItem xmlns:ds="http://schemas.openxmlformats.org/officeDocument/2006/customXml" ds:itemID="{5A48829D-98C0-4372-8E52-C69D36FB2E35}"/>
+<ds:datastoreItem xmlns:ds="http://schemas.openxmlformats.org/officeDocument/2006/customXml" ds:itemID="{5A48829D-98C0-4372-8E52-C69D36FB2E35}">
+  <ds:schemaRefs>
+    <ds:schemaRef ds:uri="http://schemas.microsoft.com/office/2006/metadata/properties"/>
+    <ds:schemaRef ds:uri="http://schemas.microsoft.com/office/infopath/2007/PartnerControls"/>
+  </ds:schemaRefs>
+</ds:datastoreItem>
 </file>